--- a/ppt 16-9/0855.我们的身份.pptx
+++ b/ppt 16-9/0855.我们的身份.pptx
@@ -5,7 +5,7 @@
     <p:sldMasterId id="2147483648" r:id="rId1"/>
   </p:sldMasterIdLst>
   <p:sldIdLst>
-    <p:sldId id="2159" r:id="rId2"/>
+    <p:sldId id="2160" r:id="rId2"/>
   </p:sldIdLst>
   <p:sldSz cx="12192000" cy="6858000"/>
   <p:notesSz cx="6858000" cy="9144000"/>
@@ -129,7 +129,7 @@
           <p:cNvPr id="2" name="标题 1">
             <a:extLst>
               <a:ext uri="{FF2B5EF4-FFF2-40B4-BE49-F238E27FC236}">
-                <a16:creationId xmlns:a16="http://schemas.microsoft.com/office/drawing/2014/main" id="{406291F1-8757-000C-FE2D-BBE80D9BDC63}"/>
+                <a16:creationId xmlns:a16="http://schemas.microsoft.com/office/drawing/2014/main" id="{FE8ACE06-F600-F2BC-FFAC-B4CF014FE5ED}"/>
               </a:ext>
             </a:extLst>
           </p:cNvPr>
@@ -166,7 +166,7 @@
           <p:cNvPr id="3" name="副标题 2">
             <a:extLst>
               <a:ext uri="{FF2B5EF4-FFF2-40B4-BE49-F238E27FC236}">
-                <a16:creationId xmlns:a16="http://schemas.microsoft.com/office/drawing/2014/main" id="{1B1B709D-A530-D32F-8BE9-8F426CBD926F}"/>
+                <a16:creationId xmlns:a16="http://schemas.microsoft.com/office/drawing/2014/main" id="{2453BE52-B61B-36F0-B008-61FE0F4F4172}"/>
               </a:ext>
             </a:extLst>
           </p:cNvPr>
@@ -236,7 +236,7 @@
           <p:cNvPr id="4" name="日期占位符 3">
             <a:extLst>
               <a:ext uri="{FF2B5EF4-FFF2-40B4-BE49-F238E27FC236}">
-                <a16:creationId xmlns:a16="http://schemas.microsoft.com/office/drawing/2014/main" id="{CC9F7091-5283-EE1B-DF15-46D763155410}"/>
+                <a16:creationId xmlns:a16="http://schemas.microsoft.com/office/drawing/2014/main" id="{0D84010D-112D-1723-C603-482F1B6CCEF3}"/>
               </a:ext>
             </a:extLst>
           </p:cNvPr>
@@ -252,7 +252,7 @@
           <a:bodyPr/>
           <a:lstStyle/>
           <a:p>
-            <a:fld id="{75A7CEFC-E12C-401A-B3A3-FE931A4550F9}" type="datetimeFigureOut">
+            <a:fld id="{CF6FEC15-A944-4D17-9C7D-7F434C522670}" type="datetimeFigureOut">
               <a:rPr lang="zh-CN" altLang="en-US" smtClean="0"/>
               <a:t>2024/3/10</a:t>
             </a:fld>
@@ -265,7 +265,7 @@
           <p:cNvPr id="5" name="页脚占位符 4">
             <a:extLst>
               <a:ext uri="{FF2B5EF4-FFF2-40B4-BE49-F238E27FC236}">
-                <a16:creationId xmlns:a16="http://schemas.microsoft.com/office/drawing/2014/main" id="{9F0967FB-9DD7-CC7A-12A0-4D1E1B94BBBA}"/>
+                <a16:creationId xmlns:a16="http://schemas.microsoft.com/office/drawing/2014/main" id="{7B5805CE-C914-7EB1-C4AA-086B58ACD85E}"/>
               </a:ext>
             </a:extLst>
           </p:cNvPr>
@@ -290,7 +290,7 @@
           <p:cNvPr id="6" name="灯片编号占位符 5">
             <a:extLst>
               <a:ext uri="{FF2B5EF4-FFF2-40B4-BE49-F238E27FC236}">
-                <a16:creationId xmlns:a16="http://schemas.microsoft.com/office/drawing/2014/main" id="{6987D94D-E1A2-0AF9-5A77-A1E3D8BA48B3}"/>
+                <a16:creationId xmlns:a16="http://schemas.microsoft.com/office/drawing/2014/main" id="{41B97920-E519-896F-908F-BB2B1A5515EE}"/>
               </a:ext>
             </a:extLst>
           </p:cNvPr>
@@ -306,7 +306,7 @@
           <a:bodyPr/>
           <a:lstStyle/>
           <a:p>
-            <a:fld id="{38F81DFD-B4B3-4B57-8416-56DF7DD6852B}" type="slidenum">
+            <a:fld id="{AE403F5B-1035-4F1E-B072-1AE8078C6AEF}" type="slidenum">
               <a:rPr lang="zh-CN" altLang="en-US" smtClean="0"/>
               <a:t>‹#›</a:t>
             </a:fld>
@@ -317,7 +317,7 @@
     </p:spTree>
     <p:extLst>
       <p:ext uri="{BB962C8B-B14F-4D97-AF65-F5344CB8AC3E}">
-        <p14:creationId xmlns:p14="http://schemas.microsoft.com/office/powerpoint/2010/main" val="49489921"/>
+        <p14:creationId xmlns:p14="http://schemas.microsoft.com/office/powerpoint/2010/main" val="4194933766"/>
       </p:ext>
     </p:extLst>
   </p:cSld>
@@ -349,7 +349,7 @@
           <p:cNvPr id="2" name="标题 1">
             <a:extLst>
               <a:ext uri="{FF2B5EF4-FFF2-40B4-BE49-F238E27FC236}">
-                <a16:creationId xmlns:a16="http://schemas.microsoft.com/office/drawing/2014/main" id="{B2C72AFF-29CB-6CD6-46A0-281D431CC58A}"/>
+                <a16:creationId xmlns:a16="http://schemas.microsoft.com/office/drawing/2014/main" id="{FFC1CBA1-4E0E-DDA3-DD22-F6F10B784505}"/>
               </a:ext>
             </a:extLst>
           </p:cNvPr>
@@ -377,7 +377,7 @@
           <p:cNvPr id="3" name="竖排文字占位符 2">
             <a:extLst>
               <a:ext uri="{FF2B5EF4-FFF2-40B4-BE49-F238E27FC236}">
-                <a16:creationId xmlns:a16="http://schemas.microsoft.com/office/drawing/2014/main" id="{E8813705-BB01-4361-44A8-E8BEF278962D}"/>
+                <a16:creationId xmlns:a16="http://schemas.microsoft.com/office/drawing/2014/main" id="{0B21E7CF-FC79-831A-7911-529F26A59443}"/>
               </a:ext>
             </a:extLst>
           </p:cNvPr>
@@ -434,7 +434,7 @@
           <p:cNvPr id="4" name="日期占位符 3">
             <a:extLst>
               <a:ext uri="{FF2B5EF4-FFF2-40B4-BE49-F238E27FC236}">
-                <a16:creationId xmlns:a16="http://schemas.microsoft.com/office/drawing/2014/main" id="{7BA55935-0040-975A-CD89-B9073DAC3951}"/>
+                <a16:creationId xmlns:a16="http://schemas.microsoft.com/office/drawing/2014/main" id="{443C533E-CB9E-632D-D556-B09D3823EB38}"/>
               </a:ext>
             </a:extLst>
           </p:cNvPr>
@@ -450,7 +450,7 @@
           <a:bodyPr/>
           <a:lstStyle/>
           <a:p>
-            <a:fld id="{75A7CEFC-E12C-401A-B3A3-FE931A4550F9}" type="datetimeFigureOut">
+            <a:fld id="{CF6FEC15-A944-4D17-9C7D-7F434C522670}" type="datetimeFigureOut">
               <a:rPr lang="zh-CN" altLang="en-US" smtClean="0"/>
               <a:t>2024/3/10</a:t>
             </a:fld>
@@ -463,7 +463,7 @@
           <p:cNvPr id="5" name="页脚占位符 4">
             <a:extLst>
               <a:ext uri="{FF2B5EF4-FFF2-40B4-BE49-F238E27FC236}">
-                <a16:creationId xmlns:a16="http://schemas.microsoft.com/office/drawing/2014/main" id="{B9BC0B76-A23D-2CEE-B03A-5869D5F867FE}"/>
+                <a16:creationId xmlns:a16="http://schemas.microsoft.com/office/drawing/2014/main" id="{8BDA1B1E-C0F9-6B38-FBA9-9F9DE987140C}"/>
               </a:ext>
             </a:extLst>
           </p:cNvPr>
@@ -488,7 +488,7 @@
           <p:cNvPr id="6" name="灯片编号占位符 5">
             <a:extLst>
               <a:ext uri="{FF2B5EF4-FFF2-40B4-BE49-F238E27FC236}">
-                <a16:creationId xmlns:a16="http://schemas.microsoft.com/office/drawing/2014/main" id="{812169D8-8BCA-0C6F-CE98-BB2EEB6A49BD}"/>
+                <a16:creationId xmlns:a16="http://schemas.microsoft.com/office/drawing/2014/main" id="{6046370A-C71B-19E2-E6C4-DEB939183198}"/>
               </a:ext>
             </a:extLst>
           </p:cNvPr>
@@ -504,7 +504,7 @@
           <a:bodyPr/>
           <a:lstStyle/>
           <a:p>
-            <a:fld id="{38F81DFD-B4B3-4B57-8416-56DF7DD6852B}" type="slidenum">
+            <a:fld id="{AE403F5B-1035-4F1E-B072-1AE8078C6AEF}" type="slidenum">
               <a:rPr lang="zh-CN" altLang="en-US" smtClean="0"/>
               <a:t>‹#›</a:t>
             </a:fld>
@@ -515,7 +515,7 @@
     </p:spTree>
     <p:extLst>
       <p:ext uri="{BB962C8B-B14F-4D97-AF65-F5344CB8AC3E}">
-        <p14:creationId xmlns:p14="http://schemas.microsoft.com/office/powerpoint/2010/main" val="3909943466"/>
+        <p14:creationId xmlns:p14="http://schemas.microsoft.com/office/powerpoint/2010/main" val="3735709045"/>
       </p:ext>
     </p:extLst>
   </p:cSld>
@@ -547,7 +547,7 @@
           <p:cNvPr id="2" name="竖排标题 1">
             <a:extLst>
               <a:ext uri="{FF2B5EF4-FFF2-40B4-BE49-F238E27FC236}">
-                <a16:creationId xmlns:a16="http://schemas.microsoft.com/office/drawing/2014/main" id="{5DAB3FBA-7FAD-E99A-9D22-DF2171F743BA}"/>
+                <a16:creationId xmlns:a16="http://schemas.microsoft.com/office/drawing/2014/main" id="{DB2F4B72-28ED-D9CC-5D0E-D99F1F41469B}"/>
               </a:ext>
             </a:extLst>
           </p:cNvPr>
@@ -580,7 +580,7 @@
           <p:cNvPr id="3" name="竖排文字占位符 2">
             <a:extLst>
               <a:ext uri="{FF2B5EF4-FFF2-40B4-BE49-F238E27FC236}">
-                <a16:creationId xmlns:a16="http://schemas.microsoft.com/office/drawing/2014/main" id="{BB5967F5-AF96-211A-E6D2-BDDB31FF5D3C}"/>
+                <a16:creationId xmlns:a16="http://schemas.microsoft.com/office/drawing/2014/main" id="{31E8639E-3873-B8E8-A39F-C46ED642D9D0}"/>
               </a:ext>
             </a:extLst>
           </p:cNvPr>
@@ -642,7 +642,7 @@
           <p:cNvPr id="4" name="日期占位符 3">
             <a:extLst>
               <a:ext uri="{FF2B5EF4-FFF2-40B4-BE49-F238E27FC236}">
-                <a16:creationId xmlns:a16="http://schemas.microsoft.com/office/drawing/2014/main" id="{D94728AA-437A-ED84-F79A-5C3BF547E092}"/>
+                <a16:creationId xmlns:a16="http://schemas.microsoft.com/office/drawing/2014/main" id="{EB9918C4-0A2F-7843-8873-5499AD899DB4}"/>
               </a:ext>
             </a:extLst>
           </p:cNvPr>
@@ -658,7 +658,7 @@
           <a:bodyPr/>
           <a:lstStyle/>
           <a:p>
-            <a:fld id="{75A7CEFC-E12C-401A-B3A3-FE931A4550F9}" type="datetimeFigureOut">
+            <a:fld id="{CF6FEC15-A944-4D17-9C7D-7F434C522670}" type="datetimeFigureOut">
               <a:rPr lang="zh-CN" altLang="en-US" smtClean="0"/>
               <a:t>2024/3/10</a:t>
             </a:fld>
@@ -671,7 +671,7 @@
           <p:cNvPr id="5" name="页脚占位符 4">
             <a:extLst>
               <a:ext uri="{FF2B5EF4-FFF2-40B4-BE49-F238E27FC236}">
-                <a16:creationId xmlns:a16="http://schemas.microsoft.com/office/drawing/2014/main" id="{1B1E6B85-C147-1079-4C1D-0FF1BF645CBE}"/>
+                <a16:creationId xmlns:a16="http://schemas.microsoft.com/office/drawing/2014/main" id="{5518054E-6A30-D0A4-1AD2-29F98E41DEC6}"/>
               </a:ext>
             </a:extLst>
           </p:cNvPr>
@@ -696,7 +696,7 @@
           <p:cNvPr id="6" name="灯片编号占位符 5">
             <a:extLst>
               <a:ext uri="{FF2B5EF4-FFF2-40B4-BE49-F238E27FC236}">
-                <a16:creationId xmlns:a16="http://schemas.microsoft.com/office/drawing/2014/main" id="{18B58AE8-5AC5-D989-3AA8-49F4818D7CF1}"/>
+                <a16:creationId xmlns:a16="http://schemas.microsoft.com/office/drawing/2014/main" id="{69BF4701-CB86-5B34-12EC-15AC142270E8}"/>
               </a:ext>
             </a:extLst>
           </p:cNvPr>
@@ -712,7 +712,7 @@
           <a:bodyPr/>
           <a:lstStyle/>
           <a:p>
-            <a:fld id="{38F81DFD-B4B3-4B57-8416-56DF7DD6852B}" type="slidenum">
+            <a:fld id="{AE403F5B-1035-4F1E-B072-1AE8078C6AEF}" type="slidenum">
               <a:rPr lang="zh-CN" altLang="en-US" smtClean="0"/>
               <a:t>‹#›</a:t>
             </a:fld>
@@ -723,7 +723,7 @@
     </p:spTree>
     <p:extLst>
       <p:ext uri="{BB962C8B-B14F-4D97-AF65-F5344CB8AC3E}">
-        <p14:creationId xmlns:p14="http://schemas.microsoft.com/office/powerpoint/2010/main" val="2574118351"/>
+        <p14:creationId xmlns:p14="http://schemas.microsoft.com/office/powerpoint/2010/main" val="1907030311"/>
       </p:ext>
     </p:extLst>
   </p:cSld>
@@ -755,7 +755,7 @@
           <p:cNvPr id="2" name="标题 1">
             <a:extLst>
               <a:ext uri="{FF2B5EF4-FFF2-40B4-BE49-F238E27FC236}">
-                <a16:creationId xmlns:a16="http://schemas.microsoft.com/office/drawing/2014/main" id="{75C87678-31EC-1DB8-5AAF-AD7E283AF101}"/>
+                <a16:creationId xmlns:a16="http://schemas.microsoft.com/office/drawing/2014/main" id="{936E7C71-3274-E0FF-B2D2-3EE3964A5BAF}"/>
               </a:ext>
             </a:extLst>
           </p:cNvPr>
@@ -783,7 +783,7 @@
           <p:cNvPr id="3" name="内容占位符 2">
             <a:extLst>
               <a:ext uri="{FF2B5EF4-FFF2-40B4-BE49-F238E27FC236}">
-                <a16:creationId xmlns:a16="http://schemas.microsoft.com/office/drawing/2014/main" id="{05CFB3DB-D6B7-5DE4-27E6-87563CCFFA15}"/>
+                <a16:creationId xmlns:a16="http://schemas.microsoft.com/office/drawing/2014/main" id="{30A983AD-5384-09AE-6590-D34A6A4B9699}"/>
               </a:ext>
             </a:extLst>
           </p:cNvPr>
@@ -840,7 +840,7 @@
           <p:cNvPr id="4" name="日期占位符 3">
             <a:extLst>
               <a:ext uri="{FF2B5EF4-FFF2-40B4-BE49-F238E27FC236}">
-                <a16:creationId xmlns:a16="http://schemas.microsoft.com/office/drawing/2014/main" id="{B2D71A54-A748-20DF-3055-A6020FA6CA5C}"/>
+                <a16:creationId xmlns:a16="http://schemas.microsoft.com/office/drawing/2014/main" id="{16951B13-3BAB-3A57-F35E-C64274CF6040}"/>
               </a:ext>
             </a:extLst>
           </p:cNvPr>
@@ -856,7 +856,7 @@
           <a:bodyPr/>
           <a:lstStyle/>
           <a:p>
-            <a:fld id="{75A7CEFC-E12C-401A-B3A3-FE931A4550F9}" type="datetimeFigureOut">
+            <a:fld id="{CF6FEC15-A944-4D17-9C7D-7F434C522670}" type="datetimeFigureOut">
               <a:rPr lang="zh-CN" altLang="en-US" smtClean="0"/>
               <a:t>2024/3/10</a:t>
             </a:fld>
@@ -869,7 +869,7 @@
           <p:cNvPr id="5" name="页脚占位符 4">
             <a:extLst>
               <a:ext uri="{FF2B5EF4-FFF2-40B4-BE49-F238E27FC236}">
-                <a16:creationId xmlns:a16="http://schemas.microsoft.com/office/drawing/2014/main" id="{5F6FBDB0-D4AB-EE71-66FE-162DD5395901}"/>
+                <a16:creationId xmlns:a16="http://schemas.microsoft.com/office/drawing/2014/main" id="{05098569-695B-614A-ECD8-2AC673B5A0BD}"/>
               </a:ext>
             </a:extLst>
           </p:cNvPr>
@@ -894,7 +894,7 @@
           <p:cNvPr id="6" name="灯片编号占位符 5">
             <a:extLst>
               <a:ext uri="{FF2B5EF4-FFF2-40B4-BE49-F238E27FC236}">
-                <a16:creationId xmlns:a16="http://schemas.microsoft.com/office/drawing/2014/main" id="{38944834-DFB4-B205-2D77-31DE7CA66AB8}"/>
+                <a16:creationId xmlns:a16="http://schemas.microsoft.com/office/drawing/2014/main" id="{A226F43C-F392-065A-64D4-5F2990DC5CE3}"/>
               </a:ext>
             </a:extLst>
           </p:cNvPr>
@@ -910,7 +910,7 @@
           <a:bodyPr/>
           <a:lstStyle/>
           <a:p>
-            <a:fld id="{38F81DFD-B4B3-4B57-8416-56DF7DD6852B}" type="slidenum">
+            <a:fld id="{AE403F5B-1035-4F1E-B072-1AE8078C6AEF}" type="slidenum">
               <a:rPr lang="zh-CN" altLang="en-US" smtClean="0"/>
               <a:t>‹#›</a:t>
             </a:fld>
@@ -921,7 +921,7 @@
     </p:spTree>
     <p:extLst>
       <p:ext uri="{BB962C8B-B14F-4D97-AF65-F5344CB8AC3E}">
-        <p14:creationId xmlns:p14="http://schemas.microsoft.com/office/powerpoint/2010/main" val="2319469133"/>
+        <p14:creationId xmlns:p14="http://schemas.microsoft.com/office/powerpoint/2010/main" val="3485056903"/>
       </p:ext>
     </p:extLst>
   </p:cSld>
@@ -953,7 +953,7 @@
           <p:cNvPr id="2" name="标题 1">
             <a:extLst>
               <a:ext uri="{FF2B5EF4-FFF2-40B4-BE49-F238E27FC236}">
-                <a16:creationId xmlns:a16="http://schemas.microsoft.com/office/drawing/2014/main" id="{1CF682CC-E189-9234-BB0D-B297C4470F86}"/>
+                <a16:creationId xmlns:a16="http://schemas.microsoft.com/office/drawing/2014/main" id="{DA3CC3FE-C0EB-7D68-7A75-C6924045A874}"/>
               </a:ext>
             </a:extLst>
           </p:cNvPr>
@@ -990,7 +990,7 @@
           <p:cNvPr id="3" name="文本占位符 2">
             <a:extLst>
               <a:ext uri="{FF2B5EF4-FFF2-40B4-BE49-F238E27FC236}">
-                <a16:creationId xmlns:a16="http://schemas.microsoft.com/office/drawing/2014/main" id="{E295DA46-D673-9521-78FD-29A404946748}"/>
+                <a16:creationId xmlns:a16="http://schemas.microsoft.com/office/drawing/2014/main" id="{84AA9EEC-78B5-4710-AEAC-6AFFDD3CC1D3}"/>
               </a:ext>
             </a:extLst>
           </p:cNvPr>
@@ -1115,7 +1115,7 @@
           <p:cNvPr id="4" name="日期占位符 3">
             <a:extLst>
               <a:ext uri="{FF2B5EF4-FFF2-40B4-BE49-F238E27FC236}">
-                <a16:creationId xmlns:a16="http://schemas.microsoft.com/office/drawing/2014/main" id="{166A9884-86FA-ABC7-8B8D-38DF28D6F02D}"/>
+                <a16:creationId xmlns:a16="http://schemas.microsoft.com/office/drawing/2014/main" id="{3C450806-3200-7D43-DF20-990C7B2D2FB6}"/>
               </a:ext>
             </a:extLst>
           </p:cNvPr>
@@ -1131,7 +1131,7 @@
           <a:bodyPr/>
           <a:lstStyle/>
           <a:p>
-            <a:fld id="{75A7CEFC-E12C-401A-B3A3-FE931A4550F9}" type="datetimeFigureOut">
+            <a:fld id="{CF6FEC15-A944-4D17-9C7D-7F434C522670}" type="datetimeFigureOut">
               <a:rPr lang="zh-CN" altLang="en-US" smtClean="0"/>
               <a:t>2024/3/10</a:t>
             </a:fld>
@@ -1144,7 +1144,7 @@
           <p:cNvPr id="5" name="页脚占位符 4">
             <a:extLst>
               <a:ext uri="{FF2B5EF4-FFF2-40B4-BE49-F238E27FC236}">
-                <a16:creationId xmlns:a16="http://schemas.microsoft.com/office/drawing/2014/main" id="{2D4BD59B-256E-967C-8A49-5DF7A986CFE4}"/>
+                <a16:creationId xmlns:a16="http://schemas.microsoft.com/office/drawing/2014/main" id="{F8E2F21E-3AA7-59A7-AE46-4B7C4891B002}"/>
               </a:ext>
             </a:extLst>
           </p:cNvPr>
@@ -1169,7 +1169,7 @@
           <p:cNvPr id="6" name="灯片编号占位符 5">
             <a:extLst>
               <a:ext uri="{FF2B5EF4-FFF2-40B4-BE49-F238E27FC236}">
-                <a16:creationId xmlns:a16="http://schemas.microsoft.com/office/drawing/2014/main" id="{39568DA4-4047-E595-1545-29BAB3607676}"/>
+                <a16:creationId xmlns:a16="http://schemas.microsoft.com/office/drawing/2014/main" id="{9FD73CD5-7524-5D52-F2EF-11D7B5459339}"/>
               </a:ext>
             </a:extLst>
           </p:cNvPr>
@@ -1185,7 +1185,7 @@
           <a:bodyPr/>
           <a:lstStyle/>
           <a:p>
-            <a:fld id="{38F81DFD-B4B3-4B57-8416-56DF7DD6852B}" type="slidenum">
+            <a:fld id="{AE403F5B-1035-4F1E-B072-1AE8078C6AEF}" type="slidenum">
               <a:rPr lang="zh-CN" altLang="en-US" smtClean="0"/>
               <a:t>‹#›</a:t>
             </a:fld>
@@ -1196,7 +1196,7 @@
     </p:spTree>
     <p:extLst>
       <p:ext uri="{BB962C8B-B14F-4D97-AF65-F5344CB8AC3E}">
-        <p14:creationId xmlns:p14="http://schemas.microsoft.com/office/powerpoint/2010/main" val="1958759280"/>
+        <p14:creationId xmlns:p14="http://schemas.microsoft.com/office/powerpoint/2010/main" val="1114574772"/>
       </p:ext>
     </p:extLst>
   </p:cSld>
@@ -1228,7 +1228,7 @@
           <p:cNvPr id="2" name="标题 1">
             <a:extLst>
               <a:ext uri="{FF2B5EF4-FFF2-40B4-BE49-F238E27FC236}">
-                <a16:creationId xmlns:a16="http://schemas.microsoft.com/office/drawing/2014/main" id="{4DDD0D98-895D-E001-480D-678FEE5FE82B}"/>
+                <a16:creationId xmlns:a16="http://schemas.microsoft.com/office/drawing/2014/main" id="{B8E90FCA-EE71-AB3E-5E49-AAF19CBFCE66}"/>
               </a:ext>
             </a:extLst>
           </p:cNvPr>
@@ -1256,7 +1256,7 @@
           <p:cNvPr id="3" name="内容占位符 2">
             <a:extLst>
               <a:ext uri="{FF2B5EF4-FFF2-40B4-BE49-F238E27FC236}">
-                <a16:creationId xmlns:a16="http://schemas.microsoft.com/office/drawing/2014/main" id="{71081DBA-2161-E1EF-FBFD-03E5DDF9E1B1}"/>
+                <a16:creationId xmlns:a16="http://schemas.microsoft.com/office/drawing/2014/main" id="{90D03BB8-FEBE-52D9-0A6C-01F5728597A4}"/>
               </a:ext>
             </a:extLst>
           </p:cNvPr>
@@ -1318,7 +1318,7 @@
           <p:cNvPr id="4" name="内容占位符 3">
             <a:extLst>
               <a:ext uri="{FF2B5EF4-FFF2-40B4-BE49-F238E27FC236}">
-                <a16:creationId xmlns:a16="http://schemas.microsoft.com/office/drawing/2014/main" id="{4AA51C5C-945B-630A-27C9-39419B8C3C80}"/>
+                <a16:creationId xmlns:a16="http://schemas.microsoft.com/office/drawing/2014/main" id="{F17A098A-D949-61FA-7531-E84242BE6D22}"/>
               </a:ext>
             </a:extLst>
           </p:cNvPr>
@@ -1380,7 +1380,7 @@
           <p:cNvPr id="5" name="日期占位符 4">
             <a:extLst>
               <a:ext uri="{FF2B5EF4-FFF2-40B4-BE49-F238E27FC236}">
-                <a16:creationId xmlns:a16="http://schemas.microsoft.com/office/drawing/2014/main" id="{76194F3D-1CD4-AD2A-567B-671D5C2062F3}"/>
+                <a16:creationId xmlns:a16="http://schemas.microsoft.com/office/drawing/2014/main" id="{6DD3265C-2D17-3B31-06F8-E1A154AD27C4}"/>
               </a:ext>
             </a:extLst>
           </p:cNvPr>
@@ -1396,7 +1396,7 @@
           <a:bodyPr/>
           <a:lstStyle/>
           <a:p>
-            <a:fld id="{75A7CEFC-E12C-401A-B3A3-FE931A4550F9}" type="datetimeFigureOut">
+            <a:fld id="{CF6FEC15-A944-4D17-9C7D-7F434C522670}" type="datetimeFigureOut">
               <a:rPr lang="zh-CN" altLang="en-US" smtClean="0"/>
               <a:t>2024/3/10</a:t>
             </a:fld>
@@ -1409,7 +1409,7 @@
           <p:cNvPr id="6" name="页脚占位符 5">
             <a:extLst>
               <a:ext uri="{FF2B5EF4-FFF2-40B4-BE49-F238E27FC236}">
-                <a16:creationId xmlns:a16="http://schemas.microsoft.com/office/drawing/2014/main" id="{919390F4-FC14-7AEA-DBA8-D3082E021B3B}"/>
+                <a16:creationId xmlns:a16="http://schemas.microsoft.com/office/drawing/2014/main" id="{FCBBCAC6-C7E6-02ED-8547-7860E664BBF4}"/>
               </a:ext>
             </a:extLst>
           </p:cNvPr>
@@ -1434,7 +1434,7 @@
           <p:cNvPr id="7" name="灯片编号占位符 6">
             <a:extLst>
               <a:ext uri="{FF2B5EF4-FFF2-40B4-BE49-F238E27FC236}">
-                <a16:creationId xmlns:a16="http://schemas.microsoft.com/office/drawing/2014/main" id="{4D84B3DB-324C-D59A-52C5-119AADE82640}"/>
+                <a16:creationId xmlns:a16="http://schemas.microsoft.com/office/drawing/2014/main" id="{9BF3CE5E-AF86-15B0-9334-E12C5CE814DE}"/>
               </a:ext>
             </a:extLst>
           </p:cNvPr>
@@ -1450,7 +1450,7 @@
           <a:bodyPr/>
           <a:lstStyle/>
           <a:p>
-            <a:fld id="{38F81DFD-B4B3-4B57-8416-56DF7DD6852B}" type="slidenum">
+            <a:fld id="{AE403F5B-1035-4F1E-B072-1AE8078C6AEF}" type="slidenum">
               <a:rPr lang="zh-CN" altLang="en-US" smtClean="0"/>
               <a:t>‹#›</a:t>
             </a:fld>
@@ -1461,7 +1461,7 @@
     </p:spTree>
     <p:extLst>
       <p:ext uri="{BB962C8B-B14F-4D97-AF65-F5344CB8AC3E}">
-        <p14:creationId xmlns:p14="http://schemas.microsoft.com/office/powerpoint/2010/main" val="3689973320"/>
+        <p14:creationId xmlns:p14="http://schemas.microsoft.com/office/powerpoint/2010/main" val="1031626844"/>
       </p:ext>
     </p:extLst>
   </p:cSld>
@@ -1493,7 +1493,7 @@
           <p:cNvPr id="2" name="标题 1">
             <a:extLst>
               <a:ext uri="{FF2B5EF4-FFF2-40B4-BE49-F238E27FC236}">
-                <a16:creationId xmlns:a16="http://schemas.microsoft.com/office/drawing/2014/main" id="{5E7C24F7-9D10-3A3F-9D28-C9F1990B1039}"/>
+                <a16:creationId xmlns:a16="http://schemas.microsoft.com/office/drawing/2014/main" id="{0DEB6224-B990-931D-BB6E-F442453C39F7}"/>
               </a:ext>
             </a:extLst>
           </p:cNvPr>
@@ -1526,7 +1526,7 @@
           <p:cNvPr id="3" name="文本占位符 2">
             <a:extLst>
               <a:ext uri="{FF2B5EF4-FFF2-40B4-BE49-F238E27FC236}">
-                <a16:creationId xmlns:a16="http://schemas.microsoft.com/office/drawing/2014/main" id="{16F2CF14-13C6-8C29-D673-E4E677C83DEF}"/>
+                <a16:creationId xmlns:a16="http://schemas.microsoft.com/office/drawing/2014/main" id="{790F297F-9986-CB84-8A13-B1F287FEB32B}"/>
               </a:ext>
             </a:extLst>
           </p:cNvPr>
@@ -1597,7 +1597,7 @@
           <p:cNvPr id="4" name="内容占位符 3">
             <a:extLst>
               <a:ext uri="{FF2B5EF4-FFF2-40B4-BE49-F238E27FC236}">
-                <a16:creationId xmlns:a16="http://schemas.microsoft.com/office/drawing/2014/main" id="{B2E7C912-F853-1E78-22A3-87B2A55E0395}"/>
+                <a16:creationId xmlns:a16="http://schemas.microsoft.com/office/drawing/2014/main" id="{6F3415FF-8266-EFF5-E621-43B235E7D99B}"/>
               </a:ext>
             </a:extLst>
           </p:cNvPr>
@@ -1659,7 +1659,7 @@
           <p:cNvPr id="5" name="文本占位符 4">
             <a:extLst>
               <a:ext uri="{FF2B5EF4-FFF2-40B4-BE49-F238E27FC236}">
-                <a16:creationId xmlns:a16="http://schemas.microsoft.com/office/drawing/2014/main" id="{70D819F5-F53C-C893-0C03-5D47965CBADA}"/>
+                <a16:creationId xmlns:a16="http://schemas.microsoft.com/office/drawing/2014/main" id="{D54DE02C-0F2C-3A6E-F307-13D76C19298A}"/>
               </a:ext>
             </a:extLst>
           </p:cNvPr>
@@ -1730,7 +1730,7 @@
           <p:cNvPr id="6" name="内容占位符 5">
             <a:extLst>
               <a:ext uri="{FF2B5EF4-FFF2-40B4-BE49-F238E27FC236}">
-                <a16:creationId xmlns:a16="http://schemas.microsoft.com/office/drawing/2014/main" id="{6CB7825E-04EA-5AB9-ADD2-D049C044BDB1}"/>
+                <a16:creationId xmlns:a16="http://schemas.microsoft.com/office/drawing/2014/main" id="{6275677F-1B84-2C11-6791-0E6916141E87}"/>
               </a:ext>
             </a:extLst>
           </p:cNvPr>
@@ -1792,7 +1792,7 @@
           <p:cNvPr id="7" name="日期占位符 6">
             <a:extLst>
               <a:ext uri="{FF2B5EF4-FFF2-40B4-BE49-F238E27FC236}">
-                <a16:creationId xmlns:a16="http://schemas.microsoft.com/office/drawing/2014/main" id="{7E8E942D-2457-FD28-BA4D-D683E3D341A9}"/>
+                <a16:creationId xmlns:a16="http://schemas.microsoft.com/office/drawing/2014/main" id="{4F25490E-F89A-DD64-2CA7-196262E4B43E}"/>
               </a:ext>
             </a:extLst>
           </p:cNvPr>
@@ -1808,7 +1808,7 @@
           <a:bodyPr/>
           <a:lstStyle/>
           <a:p>
-            <a:fld id="{75A7CEFC-E12C-401A-B3A3-FE931A4550F9}" type="datetimeFigureOut">
+            <a:fld id="{CF6FEC15-A944-4D17-9C7D-7F434C522670}" type="datetimeFigureOut">
               <a:rPr lang="zh-CN" altLang="en-US" smtClean="0"/>
               <a:t>2024/3/10</a:t>
             </a:fld>
@@ -1821,7 +1821,7 @@
           <p:cNvPr id="8" name="页脚占位符 7">
             <a:extLst>
               <a:ext uri="{FF2B5EF4-FFF2-40B4-BE49-F238E27FC236}">
-                <a16:creationId xmlns:a16="http://schemas.microsoft.com/office/drawing/2014/main" id="{284C407E-3979-4ED0-E5E4-F6CB042D38EF}"/>
+                <a16:creationId xmlns:a16="http://schemas.microsoft.com/office/drawing/2014/main" id="{BAEAD61E-C505-A006-C2E2-C959FA48812C}"/>
               </a:ext>
             </a:extLst>
           </p:cNvPr>
@@ -1846,7 +1846,7 @@
           <p:cNvPr id="9" name="灯片编号占位符 8">
             <a:extLst>
               <a:ext uri="{FF2B5EF4-FFF2-40B4-BE49-F238E27FC236}">
-                <a16:creationId xmlns:a16="http://schemas.microsoft.com/office/drawing/2014/main" id="{33683003-5D97-F7D1-8F6F-761CA42C7855}"/>
+                <a16:creationId xmlns:a16="http://schemas.microsoft.com/office/drawing/2014/main" id="{8DE8146E-2B71-0B6E-421F-A47F50D5F164}"/>
               </a:ext>
             </a:extLst>
           </p:cNvPr>
@@ -1862,7 +1862,7 @@
           <a:bodyPr/>
           <a:lstStyle/>
           <a:p>
-            <a:fld id="{38F81DFD-B4B3-4B57-8416-56DF7DD6852B}" type="slidenum">
+            <a:fld id="{AE403F5B-1035-4F1E-B072-1AE8078C6AEF}" type="slidenum">
               <a:rPr lang="zh-CN" altLang="en-US" smtClean="0"/>
               <a:t>‹#›</a:t>
             </a:fld>
@@ -1873,7 +1873,7 @@
     </p:spTree>
     <p:extLst>
       <p:ext uri="{BB962C8B-B14F-4D97-AF65-F5344CB8AC3E}">
-        <p14:creationId xmlns:p14="http://schemas.microsoft.com/office/powerpoint/2010/main" val="2986077832"/>
+        <p14:creationId xmlns:p14="http://schemas.microsoft.com/office/powerpoint/2010/main" val="3394187766"/>
       </p:ext>
     </p:extLst>
   </p:cSld>
@@ -1905,7 +1905,7 @@
           <p:cNvPr id="2" name="标题 1">
             <a:extLst>
               <a:ext uri="{FF2B5EF4-FFF2-40B4-BE49-F238E27FC236}">
-                <a16:creationId xmlns:a16="http://schemas.microsoft.com/office/drawing/2014/main" id="{26FDCF7B-C42B-014D-67C0-A92A60C123EF}"/>
+                <a16:creationId xmlns:a16="http://schemas.microsoft.com/office/drawing/2014/main" id="{9FE2AB8D-F855-5EFB-221F-D6AAAC76AF81}"/>
               </a:ext>
             </a:extLst>
           </p:cNvPr>
@@ -1933,7 +1933,7 @@
           <p:cNvPr id="3" name="日期占位符 2">
             <a:extLst>
               <a:ext uri="{FF2B5EF4-FFF2-40B4-BE49-F238E27FC236}">
-                <a16:creationId xmlns:a16="http://schemas.microsoft.com/office/drawing/2014/main" id="{240DFE14-CE80-E52D-4DE5-202CA4CA072B}"/>
+                <a16:creationId xmlns:a16="http://schemas.microsoft.com/office/drawing/2014/main" id="{05DF9290-1568-197F-F6B5-CAA984D15DFA}"/>
               </a:ext>
             </a:extLst>
           </p:cNvPr>
@@ -1949,7 +1949,7 @@
           <a:bodyPr/>
           <a:lstStyle/>
           <a:p>
-            <a:fld id="{75A7CEFC-E12C-401A-B3A3-FE931A4550F9}" type="datetimeFigureOut">
+            <a:fld id="{CF6FEC15-A944-4D17-9C7D-7F434C522670}" type="datetimeFigureOut">
               <a:rPr lang="zh-CN" altLang="en-US" smtClean="0"/>
               <a:t>2024/3/10</a:t>
             </a:fld>
@@ -1962,7 +1962,7 @@
           <p:cNvPr id="4" name="页脚占位符 3">
             <a:extLst>
               <a:ext uri="{FF2B5EF4-FFF2-40B4-BE49-F238E27FC236}">
-                <a16:creationId xmlns:a16="http://schemas.microsoft.com/office/drawing/2014/main" id="{CD3139D0-DA26-2AF8-25BB-2D2752B6F173}"/>
+                <a16:creationId xmlns:a16="http://schemas.microsoft.com/office/drawing/2014/main" id="{9BADC5E2-F7B2-3DE2-7515-A00DB541161C}"/>
               </a:ext>
             </a:extLst>
           </p:cNvPr>
@@ -1987,7 +1987,7 @@
           <p:cNvPr id="5" name="灯片编号占位符 4">
             <a:extLst>
               <a:ext uri="{FF2B5EF4-FFF2-40B4-BE49-F238E27FC236}">
-                <a16:creationId xmlns:a16="http://schemas.microsoft.com/office/drawing/2014/main" id="{93688817-642D-A4B0-0BBD-E216C5A65A11}"/>
+                <a16:creationId xmlns:a16="http://schemas.microsoft.com/office/drawing/2014/main" id="{2DA1498B-57E9-C63B-A4C4-85EA0C25462C}"/>
               </a:ext>
             </a:extLst>
           </p:cNvPr>
@@ -2003,7 +2003,7 @@
           <a:bodyPr/>
           <a:lstStyle/>
           <a:p>
-            <a:fld id="{38F81DFD-B4B3-4B57-8416-56DF7DD6852B}" type="slidenum">
+            <a:fld id="{AE403F5B-1035-4F1E-B072-1AE8078C6AEF}" type="slidenum">
               <a:rPr lang="zh-CN" altLang="en-US" smtClean="0"/>
               <a:t>‹#›</a:t>
             </a:fld>
@@ -2014,7 +2014,7 @@
     </p:spTree>
     <p:extLst>
       <p:ext uri="{BB962C8B-B14F-4D97-AF65-F5344CB8AC3E}">
-        <p14:creationId xmlns:p14="http://schemas.microsoft.com/office/powerpoint/2010/main" val="3687243895"/>
+        <p14:creationId xmlns:p14="http://schemas.microsoft.com/office/powerpoint/2010/main" val="3581140971"/>
       </p:ext>
     </p:extLst>
   </p:cSld>
@@ -2046,7 +2046,7 @@
           <p:cNvPr id="2" name="日期占位符 1">
             <a:extLst>
               <a:ext uri="{FF2B5EF4-FFF2-40B4-BE49-F238E27FC236}">
-                <a16:creationId xmlns:a16="http://schemas.microsoft.com/office/drawing/2014/main" id="{8ED449D1-7080-F07D-6366-902277B02184}"/>
+                <a16:creationId xmlns:a16="http://schemas.microsoft.com/office/drawing/2014/main" id="{D4487C86-5A79-9BFA-E228-21AAC4C9E846}"/>
               </a:ext>
             </a:extLst>
           </p:cNvPr>
@@ -2062,7 +2062,7 @@
           <a:bodyPr/>
           <a:lstStyle/>
           <a:p>
-            <a:fld id="{75A7CEFC-E12C-401A-B3A3-FE931A4550F9}" type="datetimeFigureOut">
+            <a:fld id="{CF6FEC15-A944-4D17-9C7D-7F434C522670}" type="datetimeFigureOut">
               <a:rPr lang="zh-CN" altLang="en-US" smtClean="0"/>
               <a:t>2024/3/10</a:t>
             </a:fld>
@@ -2075,7 +2075,7 @@
           <p:cNvPr id="3" name="页脚占位符 2">
             <a:extLst>
               <a:ext uri="{FF2B5EF4-FFF2-40B4-BE49-F238E27FC236}">
-                <a16:creationId xmlns:a16="http://schemas.microsoft.com/office/drawing/2014/main" id="{A9DF4F27-F966-4601-3003-F833BFBBE847}"/>
+                <a16:creationId xmlns:a16="http://schemas.microsoft.com/office/drawing/2014/main" id="{5B53D4C2-F4EB-ACC9-9661-33E61CAA8B80}"/>
               </a:ext>
             </a:extLst>
           </p:cNvPr>
@@ -2100,7 +2100,7 @@
           <p:cNvPr id="4" name="灯片编号占位符 3">
             <a:extLst>
               <a:ext uri="{FF2B5EF4-FFF2-40B4-BE49-F238E27FC236}">
-                <a16:creationId xmlns:a16="http://schemas.microsoft.com/office/drawing/2014/main" id="{1F59543D-BC09-8359-86D1-F304E5B57CD5}"/>
+                <a16:creationId xmlns:a16="http://schemas.microsoft.com/office/drawing/2014/main" id="{782379AC-16B5-A543-38B1-501E7E8CBEB4}"/>
               </a:ext>
             </a:extLst>
           </p:cNvPr>
@@ -2116,7 +2116,7 @@
           <a:bodyPr/>
           <a:lstStyle/>
           <a:p>
-            <a:fld id="{38F81DFD-B4B3-4B57-8416-56DF7DD6852B}" type="slidenum">
+            <a:fld id="{AE403F5B-1035-4F1E-B072-1AE8078C6AEF}" type="slidenum">
               <a:rPr lang="zh-CN" altLang="en-US" smtClean="0"/>
               <a:t>‹#›</a:t>
             </a:fld>
@@ -2127,7 +2127,7 @@
     </p:spTree>
     <p:extLst>
       <p:ext uri="{BB962C8B-B14F-4D97-AF65-F5344CB8AC3E}">
-        <p14:creationId xmlns:p14="http://schemas.microsoft.com/office/powerpoint/2010/main" val="886061402"/>
+        <p14:creationId xmlns:p14="http://schemas.microsoft.com/office/powerpoint/2010/main" val="2665362495"/>
       </p:ext>
     </p:extLst>
   </p:cSld>
@@ -2159,7 +2159,7 @@
           <p:cNvPr id="2" name="标题 1">
             <a:extLst>
               <a:ext uri="{FF2B5EF4-FFF2-40B4-BE49-F238E27FC236}">
-                <a16:creationId xmlns:a16="http://schemas.microsoft.com/office/drawing/2014/main" id="{0AB8373B-23E0-60F5-C79F-6D1256BCB851}"/>
+                <a16:creationId xmlns:a16="http://schemas.microsoft.com/office/drawing/2014/main" id="{B80447DC-585A-035B-CD3A-BE1FD400BDDA}"/>
               </a:ext>
             </a:extLst>
           </p:cNvPr>
@@ -2196,7 +2196,7 @@
           <p:cNvPr id="3" name="内容占位符 2">
             <a:extLst>
               <a:ext uri="{FF2B5EF4-FFF2-40B4-BE49-F238E27FC236}">
-                <a16:creationId xmlns:a16="http://schemas.microsoft.com/office/drawing/2014/main" id="{BDF68FC9-D108-5B6B-37B7-9A5866D44385}"/>
+                <a16:creationId xmlns:a16="http://schemas.microsoft.com/office/drawing/2014/main" id="{8074A814-D6D0-16E4-8B04-FE40CC76E898}"/>
               </a:ext>
             </a:extLst>
           </p:cNvPr>
@@ -2286,7 +2286,7 @@
           <p:cNvPr id="4" name="文本占位符 3">
             <a:extLst>
               <a:ext uri="{FF2B5EF4-FFF2-40B4-BE49-F238E27FC236}">
-                <a16:creationId xmlns:a16="http://schemas.microsoft.com/office/drawing/2014/main" id="{EE6C9017-B3EA-CEFF-1225-CD8A3C3943F0}"/>
+                <a16:creationId xmlns:a16="http://schemas.microsoft.com/office/drawing/2014/main" id="{50E323A2-2F3B-0806-3B91-E995B35CED0C}"/>
               </a:ext>
             </a:extLst>
           </p:cNvPr>
@@ -2357,7 +2357,7 @@
           <p:cNvPr id="5" name="日期占位符 4">
             <a:extLst>
               <a:ext uri="{FF2B5EF4-FFF2-40B4-BE49-F238E27FC236}">
-                <a16:creationId xmlns:a16="http://schemas.microsoft.com/office/drawing/2014/main" id="{9C05B7CA-4F35-3D32-EEA9-0342A2637DB8}"/>
+                <a16:creationId xmlns:a16="http://schemas.microsoft.com/office/drawing/2014/main" id="{19B1C38C-D6EC-AEDB-5157-B68C8185F5A9}"/>
               </a:ext>
             </a:extLst>
           </p:cNvPr>
@@ -2373,7 +2373,7 @@
           <a:bodyPr/>
           <a:lstStyle/>
           <a:p>
-            <a:fld id="{75A7CEFC-E12C-401A-B3A3-FE931A4550F9}" type="datetimeFigureOut">
+            <a:fld id="{CF6FEC15-A944-4D17-9C7D-7F434C522670}" type="datetimeFigureOut">
               <a:rPr lang="zh-CN" altLang="en-US" smtClean="0"/>
               <a:t>2024/3/10</a:t>
             </a:fld>
@@ -2386,7 +2386,7 @@
           <p:cNvPr id="6" name="页脚占位符 5">
             <a:extLst>
               <a:ext uri="{FF2B5EF4-FFF2-40B4-BE49-F238E27FC236}">
-                <a16:creationId xmlns:a16="http://schemas.microsoft.com/office/drawing/2014/main" id="{86FEBB1E-6667-9562-5EF8-51AFACAA069A}"/>
+                <a16:creationId xmlns:a16="http://schemas.microsoft.com/office/drawing/2014/main" id="{86DE1F8C-CFF2-C9AA-BA3B-03ED3523CE96}"/>
               </a:ext>
             </a:extLst>
           </p:cNvPr>
@@ -2411,7 +2411,7 @@
           <p:cNvPr id="7" name="灯片编号占位符 6">
             <a:extLst>
               <a:ext uri="{FF2B5EF4-FFF2-40B4-BE49-F238E27FC236}">
-                <a16:creationId xmlns:a16="http://schemas.microsoft.com/office/drawing/2014/main" id="{CEB1A90A-F281-4DBF-30AA-23DE67D81BBD}"/>
+                <a16:creationId xmlns:a16="http://schemas.microsoft.com/office/drawing/2014/main" id="{0E19E343-5394-D842-25AB-71E509A0DF53}"/>
               </a:ext>
             </a:extLst>
           </p:cNvPr>
@@ -2427,7 +2427,7 @@
           <a:bodyPr/>
           <a:lstStyle/>
           <a:p>
-            <a:fld id="{38F81DFD-B4B3-4B57-8416-56DF7DD6852B}" type="slidenum">
+            <a:fld id="{AE403F5B-1035-4F1E-B072-1AE8078C6AEF}" type="slidenum">
               <a:rPr lang="zh-CN" altLang="en-US" smtClean="0"/>
               <a:t>‹#›</a:t>
             </a:fld>
@@ -2438,7 +2438,7 @@
     </p:spTree>
     <p:extLst>
       <p:ext uri="{BB962C8B-B14F-4D97-AF65-F5344CB8AC3E}">
-        <p14:creationId xmlns:p14="http://schemas.microsoft.com/office/powerpoint/2010/main" val="3723084763"/>
+        <p14:creationId xmlns:p14="http://schemas.microsoft.com/office/powerpoint/2010/main" val="3782595981"/>
       </p:ext>
     </p:extLst>
   </p:cSld>
@@ -2470,7 +2470,7 @@
           <p:cNvPr id="2" name="标题 1">
             <a:extLst>
               <a:ext uri="{FF2B5EF4-FFF2-40B4-BE49-F238E27FC236}">
-                <a16:creationId xmlns:a16="http://schemas.microsoft.com/office/drawing/2014/main" id="{57F4934E-5073-BCEE-A114-6777E6DA4413}"/>
+                <a16:creationId xmlns:a16="http://schemas.microsoft.com/office/drawing/2014/main" id="{10A4A0B1-8D7C-AD3C-EE18-962D7BFD511C}"/>
               </a:ext>
             </a:extLst>
           </p:cNvPr>
@@ -2507,7 +2507,7 @@
           <p:cNvPr id="3" name="图片占位符 2">
             <a:extLst>
               <a:ext uri="{FF2B5EF4-FFF2-40B4-BE49-F238E27FC236}">
-                <a16:creationId xmlns:a16="http://schemas.microsoft.com/office/drawing/2014/main" id="{3EE20D6D-7FE0-1F1A-69AB-CF38915668B7}"/>
+                <a16:creationId xmlns:a16="http://schemas.microsoft.com/office/drawing/2014/main" id="{5718B4F9-EB66-5721-A3BA-B8DD9429E46B}"/>
               </a:ext>
             </a:extLst>
           </p:cNvPr>
@@ -2574,7 +2574,7 @@
           <p:cNvPr id="4" name="文本占位符 3">
             <a:extLst>
               <a:ext uri="{FF2B5EF4-FFF2-40B4-BE49-F238E27FC236}">
-                <a16:creationId xmlns:a16="http://schemas.microsoft.com/office/drawing/2014/main" id="{B0C9F2C4-0DDA-83E0-B638-83372C72234B}"/>
+                <a16:creationId xmlns:a16="http://schemas.microsoft.com/office/drawing/2014/main" id="{2ADC13A7-B066-2EC3-02FB-EFFDA3652FA5}"/>
               </a:ext>
             </a:extLst>
           </p:cNvPr>
@@ -2645,7 +2645,7 @@
           <p:cNvPr id="5" name="日期占位符 4">
             <a:extLst>
               <a:ext uri="{FF2B5EF4-FFF2-40B4-BE49-F238E27FC236}">
-                <a16:creationId xmlns:a16="http://schemas.microsoft.com/office/drawing/2014/main" id="{E290142D-D741-1068-84CE-A73EC0D823E3}"/>
+                <a16:creationId xmlns:a16="http://schemas.microsoft.com/office/drawing/2014/main" id="{0D988E0B-395B-EC17-4C01-0935C60749D2}"/>
               </a:ext>
             </a:extLst>
           </p:cNvPr>
@@ -2661,7 +2661,7 @@
           <a:bodyPr/>
           <a:lstStyle/>
           <a:p>
-            <a:fld id="{75A7CEFC-E12C-401A-B3A3-FE931A4550F9}" type="datetimeFigureOut">
+            <a:fld id="{CF6FEC15-A944-4D17-9C7D-7F434C522670}" type="datetimeFigureOut">
               <a:rPr lang="zh-CN" altLang="en-US" smtClean="0"/>
               <a:t>2024/3/10</a:t>
             </a:fld>
@@ -2674,7 +2674,7 @@
           <p:cNvPr id="6" name="页脚占位符 5">
             <a:extLst>
               <a:ext uri="{FF2B5EF4-FFF2-40B4-BE49-F238E27FC236}">
-                <a16:creationId xmlns:a16="http://schemas.microsoft.com/office/drawing/2014/main" id="{E0EE65AD-2DB6-055D-6509-4AD63CA07FA7}"/>
+                <a16:creationId xmlns:a16="http://schemas.microsoft.com/office/drawing/2014/main" id="{227C156E-E92F-6C2F-67F8-2D76991CBD7A}"/>
               </a:ext>
             </a:extLst>
           </p:cNvPr>
@@ -2699,7 +2699,7 @@
           <p:cNvPr id="7" name="灯片编号占位符 6">
             <a:extLst>
               <a:ext uri="{FF2B5EF4-FFF2-40B4-BE49-F238E27FC236}">
-                <a16:creationId xmlns:a16="http://schemas.microsoft.com/office/drawing/2014/main" id="{8937CCF8-5005-4188-C29C-874368DCB92B}"/>
+                <a16:creationId xmlns:a16="http://schemas.microsoft.com/office/drawing/2014/main" id="{2454D5CC-EA2B-4F86-8BD9-D0FA5824556D}"/>
               </a:ext>
             </a:extLst>
           </p:cNvPr>
@@ -2715,7 +2715,7 @@
           <a:bodyPr/>
           <a:lstStyle/>
           <a:p>
-            <a:fld id="{38F81DFD-B4B3-4B57-8416-56DF7DD6852B}" type="slidenum">
+            <a:fld id="{AE403F5B-1035-4F1E-B072-1AE8078C6AEF}" type="slidenum">
               <a:rPr lang="zh-CN" altLang="en-US" smtClean="0"/>
               <a:t>‹#›</a:t>
             </a:fld>
@@ -2726,7 +2726,7 @@
     </p:spTree>
     <p:extLst>
       <p:ext uri="{BB962C8B-B14F-4D97-AF65-F5344CB8AC3E}">
-        <p14:creationId xmlns:p14="http://schemas.microsoft.com/office/powerpoint/2010/main" val="2816658422"/>
+        <p14:creationId xmlns:p14="http://schemas.microsoft.com/office/powerpoint/2010/main" val="1113262768"/>
       </p:ext>
     </p:extLst>
   </p:cSld>
@@ -2763,7 +2763,7 @@
           <p:cNvPr id="2" name="标题占位符 1">
             <a:extLst>
               <a:ext uri="{FF2B5EF4-FFF2-40B4-BE49-F238E27FC236}">
-                <a16:creationId xmlns:a16="http://schemas.microsoft.com/office/drawing/2014/main" id="{61011650-672E-ED83-E900-5CA038C46E90}"/>
+                <a16:creationId xmlns:a16="http://schemas.microsoft.com/office/drawing/2014/main" id="{3465705B-212F-560A-F57B-D06EECEE206E}"/>
               </a:ext>
             </a:extLst>
           </p:cNvPr>
@@ -2801,7 +2801,7 @@
           <p:cNvPr id="3" name="文本占位符 2">
             <a:extLst>
               <a:ext uri="{FF2B5EF4-FFF2-40B4-BE49-F238E27FC236}">
-                <a16:creationId xmlns:a16="http://schemas.microsoft.com/office/drawing/2014/main" id="{9FE681DA-D920-D530-A76C-4765F8D37BC4}"/>
+                <a16:creationId xmlns:a16="http://schemas.microsoft.com/office/drawing/2014/main" id="{34A08AB8-22FA-AEC4-733E-01272BE8B066}"/>
               </a:ext>
             </a:extLst>
           </p:cNvPr>
@@ -2868,7 +2868,7 @@
           <p:cNvPr id="4" name="日期占位符 3">
             <a:extLst>
               <a:ext uri="{FF2B5EF4-FFF2-40B4-BE49-F238E27FC236}">
-                <a16:creationId xmlns:a16="http://schemas.microsoft.com/office/drawing/2014/main" id="{63E43386-DB4A-F4D7-475A-7A09BC6E5022}"/>
+                <a16:creationId xmlns:a16="http://schemas.microsoft.com/office/drawing/2014/main" id="{C606E53F-E24E-F87B-36D8-F8AC9C10BFB9}"/>
               </a:ext>
             </a:extLst>
           </p:cNvPr>
@@ -2902,7 +2902,7 @@
             </a:lvl1pPr>
           </a:lstStyle>
           <a:p>
-            <a:fld id="{75A7CEFC-E12C-401A-B3A3-FE931A4550F9}" type="datetimeFigureOut">
+            <a:fld id="{CF6FEC15-A944-4D17-9C7D-7F434C522670}" type="datetimeFigureOut">
               <a:rPr lang="zh-CN" altLang="en-US" smtClean="0"/>
               <a:t>2024/3/10</a:t>
             </a:fld>
@@ -2915,7 +2915,7 @@
           <p:cNvPr id="5" name="页脚占位符 4">
             <a:extLst>
               <a:ext uri="{FF2B5EF4-FFF2-40B4-BE49-F238E27FC236}">
-                <a16:creationId xmlns:a16="http://schemas.microsoft.com/office/drawing/2014/main" id="{9E5AB425-385E-E766-1F42-B920615E25BB}"/>
+                <a16:creationId xmlns:a16="http://schemas.microsoft.com/office/drawing/2014/main" id="{1B4F15BD-085C-6682-88D2-77C9ECBBFFE5}"/>
               </a:ext>
             </a:extLst>
           </p:cNvPr>
@@ -2958,7 +2958,7 @@
           <p:cNvPr id="6" name="灯片编号占位符 5">
             <a:extLst>
               <a:ext uri="{FF2B5EF4-FFF2-40B4-BE49-F238E27FC236}">
-                <a16:creationId xmlns:a16="http://schemas.microsoft.com/office/drawing/2014/main" id="{77DC3A91-4099-46CA-87DF-1906CFC67A37}"/>
+                <a16:creationId xmlns:a16="http://schemas.microsoft.com/office/drawing/2014/main" id="{C65A46E8-3D11-2DFF-D697-7029A6D20723}"/>
               </a:ext>
             </a:extLst>
           </p:cNvPr>
@@ -2992,7 +2992,7 @@
             </a:lvl1pPr>
           </a:lstStyle>
           <a:p>
-            <a:fld id="{38F81DFD-B4B3-4B57-8416-56DF7DD6852B}" type="slidenum">
+            <a:fld id="{AE403F5B-1035-4F1E-B072-1AE8078C6AEF}" type="slidenum">
               <a:rPr lang="zh-CN" altLang="en-US" smtClean="0"/>
               <a:t>‹#›</a:t>
             </a:fld>
@@ -3003,7 +3003,7 @@
     </p:spTree>
     <p:extLst>
       <p:ext uri="{BB962C8B-B14F-4D97-AF65-F5344CB8AC3E}">
-        <p14:creationId xmlns:p14="http://schemas.microsoft.com/office/powerpoint/2010/main" val="2544426743"/>
+        <p14:creationId xmlns:p14="http://schemas.microsoft.com/office/powerpoint/2010/main" val="584056549"/>
       </p:ext>
     </p:extLst>
   </p:cSld>
@@ -3323,7 +3323,7 @@
       </p:grpSpPr>
       <p:pic>
         <p:nvPicPr>
-          <p:cNvPr id="875522" name="Picture 2" descr="854"/>
+          <p:cNvPr id="876546" name="Picture 2" descr="855"/>
           <p:cNvPicPr>
             <a:picLocks noChangeAspect="1" noChangeArrowheads="1"/>
           </p:cNvPicPr>
@@ -3344,8 +3344,8 @@
         </p:blipFill>
         <p:spPr bwMode="auto">
           <a:xfrm>
-            <a:off x="1524001" y="1"/>
-            <a:ext cx="9053513" cy="6308725"/>
+            <a:off x="1524001" y="0"/>
+            <a:ext cx="9053513" cy="6789738"/>
           </a:xfrm>
           <a:prstGeom prst="rect">
             <a:avLst/>
